--- a/TEAM TAMAD.pptx
+++ b/TEAM TAMAD.pptx
@@ -9,8 +9,9 @@
     <p:sldId id="257" r:id="rId3"/>
     <p:sldId id="258" r:id="rId4"/>
     <p:sldId id="259" r:id="rId5"/>
-    <p:sldId id="261" r:id="rId6"/>
-    <p:sldId id="260" r:id="rId7"/>
+    <p:sldId id="262" r:id="rId6"/>
+    <p:sldId id="261" r:id="rId7"/>
+    <p:sldId id="260" r:id="rId8"/>
   </p:sldIdLst>
   <p:sldSz cx="12192000" cy="6858000"/>
   <p:notesSz cx="6858000" cy="9144000"/>
@@ -109,6 +110,11 @@
       </a:defRPr>
     </a:lvl9pPr>
   </p:defaultTextStyle>
+  <p:extLst>
+    <p:ext uri="{EFAFB233-063F-42B5-8137-9DF3F51BA10A}">
+      <p15:sldGuideLst xmlns:p15="http://schemas.microsoft.com/office/powerpoint/2012/main"/>
+    </p:ext>
+  </p:extLst>
 </p:presentation>
 </file>
 
@@ -259,7 +265,7 @@
           <a:p>
             <a:fld id="{A8031A31-4660-40D6-9D34-3768D072968B}" type="datetimeFigureOut">
               <a:rPr lang="en-US" smtClean="0"/>
-              <a:t>10/03/2021</a:t>
+              <a:t>3/10/2021</a:t>
             </a:fld>
             <a:endParaRPr lang="en-US"/>
           </a:p>
@@ -457,7 +463,7 @@
           <a:p>
             <a:fld id="{A8031A31-4660-40D6-9D34-3768D072968B}" type="datetimeFigureOut">
               <a:rPr lang="en-US" smtClean="0"/>
-              <a:t>10/03/2021</a:t>
+              <a:t>3/10/2021</a:t>
             </a:fld>
             <a:endParaRPr lang="en-US"/>
           </a:p>
@@ -665,7 +671,7 @@
           <a:p>
             <a:fld id="{A8031A31-4660-40D6-9D34-3768D072968B}" type="datetimeFigureOut">
               <a:rPr lang="en-US" smtClean="0"/>
-              <a:t>10/03/2021</a:t>
+              <a:t>3/10/2021</a:t>
             </a:fld>
             <a:endParaRPr lang="en-US"/>
           </a:p>
@@ -863,7 +869,7 @@
           <a:p>
             <a:fld id="{A8031A31-4660-40D6-9D34-3768D072968B}" type="datetimeFigureOut">
               <a:rPr lang="en-US" smtClean="0"/>
-              <a:t>10/03/2021</a:t>
+              <a:t>3/10/2021</a:t>
             </a:fld>
             <a:endParaRPr lang="en-US"/>
           </a:p>
@@ -1138,7 +1144,7 @@
           <a:p>
             <a:fld id="{A8031A31-4660-40D6-9D34-3768D072968B}" type="datetimeFigureOut">
               <a:rPr lang="en-US" smtClean="0"/>
-              <a:t>10/03/2021</a:t>
+              <a:t>3/10/2021</a:t>
             </a:fld>
             <a:endParaRPr lang="en-US"/>
           </a:p>
@@ -1403,7 +1409,7 @@
           <a:p>
             <a:fld id="{A8031A31-4660-40D6-9D34-3768D072968B}" type="datetimeFigureOut">
               <a:rPr lang="en-US" smtClean="0"/>
-              <a:t>10/03/2021</a:t>
+              <a:t>3/10/2021</a:t>
             </a:fld>
             <a:endParaRPr lang="en-US"/>
           </a:p>
@@ -1815,7 +1821,7 @@
           <a:p>
             <a:fld id="{A8031A31-4660-40D6-9D34-3768D072968B}" type="datetimeFigureOut">
               <a:rPr lang="en-US" smtClean="0"/>
-              <a:t>10/03/2021</a:t>
+              <a:t>3/10/2021</a:t>
             </a:fld>
             <a:endParaRPr lang="en-US"/>
           </a:p>
@@ -1956,7 +1962,7 @@
           <a:p>
             <a:fld id="{A8031A31-4660-40D6-9D34-3768D072968B}" type="datetimeFigureOut">
               <a:rPr lang="en-US" smtClean="0"/>
-              <a:t>10/03/2021</a:t>
+              <a:t>3/10/2021</a:t>
             </a:fld>
             <a:endParaRPr lang="en-US"/>
           </a:p>
@@ -2069,7 +2075,7 @@
           <a:p>
             <a:fld id="{A8031A31-4660-40D6-9D34-3768D072968B}" type="datetimeFigureOut">
               <a:rPr lang="en-US" smtClean="0"/>
-              <a:t>10/03/2021</a:t>
+              <a:t>3/10/2021</a:t>
             </a:fld>
             <a:endParaRPr lang="en-US"/>
           </a:p>
@@ -2380,7 +2386,7 @@
           <a:p>
             <a:fld id="{A8031A31-4660-40D6-9D34-3768D072968B}" type="datetimeFigureOut">
               <a:rPr lang="en-US" smtClean="0"/>
-              <a:t>10/03/2021</a:t>
+              <a:t>3/10/2021</a:t>
             </a:fld>
             <a:endParaRPr lang="en-US"/>
           </a:p>
@@ -2668,7 +2674,7 @@
           <a:p>
             <a:fld id="{A8031A31-4660-40D6-9D34-3768D072968B}" type="datetimeFigureOut">
               <a:rPr lang="en-US" smtClean="0"/>
-              <a:t>10/03/2021</a:t>
+              <a:t>3/10/2021</a:t>
             </a:fld>
             <a:endParaRPr lang="en-US"/>
           </a:p>
@@ -2909,7 +2915,7 @@
           <a:p>
             <a:fld id="{A8031A31-4660-40D6-9D34-3768D072968B}" type="datetimeFigureOut">
               <a:rPr lang="en-US" smtClean="0"/>
-              <a:t>10/03/2021</a:t>
+              <a:t>3/10/2021</a:t>
             </a:fld>
             <a:endParaRPr lang="en-US"/>
           </a:p>
@@ -3705,6 +3711,1246 @@
           <a:chExt cx="0" cy="0"/>
         </a:xfrm>
       </p:grpSpPr>
+      <p:sp>
+        <p:nvSpPr>
+          <p:cNvPr id="2" name="Title 1">
+            <a:extLst>
+              <a:ext uri="{FF2B5EF4-FFF2-40B4-BE49-F238E27FC236}">
+                <a16:creationId xmlns:a16="http://schemas.microsoft.com/office/drawing/2014/main" id="{8285C458-BB2C-4E47-BBE2-0F546D0E8006}"/>
+              </a:ext>
+            </a:extLst>
+          </p:cNvPr>
+          <p:cNvSpPr>
+            <a:spLocks noGrp="1"/>
+          </p:cNvSpPr>
+          <p:nvPr>
+            <p:ph type="title"/>
+          </p:nvPr>
+        </p:nvSpPr>
+        <p:spPr/>
+        <p:txBody>
+          <a:bodyPr/>
+          <a:lstStyle/>
+          <a:p>
+            <a:r>
+              <a:rPr lang="en-US" dirty="0"/>
+              <a:t>RULES</a:t>
+            </a:r>
+            <a:endParaRPr lang="en-PH" dirty="0"/>
+          </a:p>
+        </p:txBody>
+      </p:sp>
+      <p:graphicFrame>
+        <p:nvGraphicFramePr>
+          <p:cNvPr id="10" name="Content Placeholder 9">
+            <a:extLst>
+              <a:ext uri="{FF2B5EF4-FFF2-40B4-BE49-F238E27FC236}">
+                <a16:creationId xmlns:a16="http://schemas.microsoft.com/office/drawing/2014/main" id="{9A9AFAE1-D462-44B0-A6A9-22AB35254C50}"/>
+              </a:ext>
+            </a:extLst>
+          </p:cNvPr>
+          <p:cNvGraphicFramePr>
+            <a:graphicFrameLocks noGrp="1"/>
+          </p:cNvGraphicFramePr>
+          <p:nvPr>
+            <p:ph idx="1"/>
+            <p:extLst>
+              <p:ext uri="{D42A27DB-BD31-4B8C-83A1-F6EECF244321}">
+                <p14:modId xmlns:p14="http://schemas.microsoft.com/office/powerpoint/2010/main" val="1432120937"/>
+              </p:ext>
+            </p:extLst>
+          </p:nvPr>
+        </p:nvGraphicFramePr>
+        <p:xfrm>
+          <a:off x="838200" y="1855304"/>
+          <a:ext cx="5257801" cy="2435818"/>
+        </p:xfrm>
+        <a:graphic>
+          <a:graphicData uri="http://schemas.openxmlformats.org/drawingml/2006/table">
+            <a:tbl>
+              <a:tblPr>
+                <a:tableStyleId>{5C22544A-7EE6-4342-B048-85BDC9FD1C3A}</a:tableStyleId>
+              </a:tblPr>
+              <a:tblGrid>
+                <a:gridCol w="1416308">
+                  <a:extLst>
+                    <a:ext uri="{9D8B030D-6E8A-4147-A177-3AD203B41FA5}">
+                      <a16:colId xmlns:a16="http://schemas.microsoft.com/office/drawing/2014/main" val="1056893816"/>
+                    </a:ext>
+                  </a:extLst>
+                </a:gridCol>
+                <a:gridCol w="1047680">
+                  <a:extLst>
+                    <a:ext uri="{9D8B030D-6E8A-4147-A177-3AD203B41FA5}">
+                      <a16:colId xmlns:a16="http://schemas.microsoft.com/office/drawing/2014/main" val="829477709"/>
+                    </a:ext>
+                  </a:extLst>
+                </a:gridCol>
+                <a:gridCol w="931271">
+                  <a:extLst>
+                    <a:ext uri="{9D8B030D-6E8A-4147-A177-3AD203B41FA5}">
+                      <a16:colId xmlns:a16="http://schemas.microsoft.com/office/drawing/2014/main" val="3669458428"/>
+                    </a:ext>
+                  </a:extLst>
+                </a:gridCol>
+                <a:gridCol w="931271">
+                  <a:extLst>
+                    <a:ext uri="{9D8B030D-6E8A-4147-A177-3AD203B41FA5}">
+                      <a16:colId xmlns:a16="http://schemas.microsoft.com/office/drawing/2014/main" val="1348707125"/>
+                    </a:ext>
+                  </a:extLst>
+                </a:gridCol>
+                <a:gridCol w="931271">
+                  <a:extLst>
+                    <a:ext uri="{9D8B030D-6E8A-4147-A177-3AD203B41FA5}">
+                      <a16:colId xmlns:a16="http://schemas.microsoft.com/office/drawing/2014/main" val="3758049610"/>
+                    </a:ext>
+                  </a:extLst>
+                </a:gridCol>
+              </a:tblGrid>
+              <a:tr h="404621">
+                <a:tc rowSpan="2" gridSpan="2">
+                  <a:txBody>
+                    <a:bodyPr/>
+                    <a:lstStyle/>
+                    <a:p>
+                      <a:pPr algn="ctr" fontAlgn="ctr"/>
+                      <a:r>
+                        <a:rPr lang="en-PH" sz="1100" u="none" strike="noStrike" dirty="0">
+                          <a:effectLst/>
+                        </a:rPr>
+                        <a:t>HEAT RULE</a:t>
+                      </a:r>
+                      <a:endParaRPr lang="en-PH" sz="1100" b="0" i="0" u="none" strike="noStrike" dirty="0">
+                        <a:solidFill>
+                          <a:srgbClr val="000000"/>
+                        </a:solidFill>
+                        <a:effectLst/>
+                        <a:latin typeface="Calibri" panose="020F0502020204030204" pitchFamily="34" charset="0"/>
+                      </a:endParaRPr>
+                    </a:p>
+                  </a:txBody>
+                  <a:tcPr marL="9525" marR="9525" marT="9525" marB="0" anchor="ctr"/>
+                </a:tc>
+                <a:tc rowSpan="2" hMerge="1">
+                  <a:txBody>
+                    <a:bodyPr/>
+                    <a:lstStyle/>
+                    <a:p>
+                      <a:endParaRPr lang="en-PH"/>
+                    </a:p>
+                  </a:txBody>
+                  <a:tcPr/>
+                </a:tc>
+                <a:tc gridSpan="3">
+                  <a:txBody>
+                    <a:bodyPr/>
+                    <a:lstStyle/>
+                    <a:p>
+                      <a:pPr algn="ctr" fontAlgn="ctr"/>
+                      <a:r>
+                        <a:rPr lang="en-PH" sz="1100" u="none" strike="noStrike">
+                          <a:effectLst/>
+                        </a:rPr>
+                        <a:t>TANK LEVEL</a:t>
+                      </a:r>
+                      <a:endParaRPr lang="en-PH" sz="1100" b="0" i="0" u="none" strike="noStrike">
+                        <a:solidFill>
+                          <a:srgbClr val="000000"/>
+                        </a:solidFill>
+                        <a:effectLst/>
+                        <a:latin typeface="Calibri" panose="020F0502020204030204" pitchFamily="34" charset="0"/>
+                      </a:endParaRPr>
+                    </a:p>
+                  </a:txBody>
+                  <a:tcPr marL="9525" marR="9525" marT="9525" marB="0" anchor="ctr"/>
+                </a:tc>
+                <a:tc hMerge="1">
+                  <a:txBody>
+                    <a:bodyPr/>
+                    <a:lstStyle/>
+                    <a:p>
+                      <a:endParaRPr lang="en-PH"/>
+                    </a:p>
+                  </a:txBody>
+                  <a:tcPr/>
+                </a:tc>
+                <a:tc hMerge="1">
+                  <a:txBody>
+                    <a:bodyPr/>
+                    <a:lstStyle/>
+                    <a:p>
+                      <a:endParaRPr lang="en-PH"/>
+                    </a:p>
+                  </a:txBody>
+                  <a:tcPr/>
+                </a:tc>
+                <a:extLst>
+                  <a:ext uri="{0D108BD9-81ED-4DB2-BD59-A6C34878D82A}">
+                    <a16:rowId xmlns:a16="http://schemas.microsoft.com/office/drawing/2014/main" val="3134110678"/>
+                  </a:ext>
+                </a:extLst>
+              </a:tr>
+              <a:tr h="404621">
+                <a:tc gridSpan="2" vMerge="1">
+                  <a:txBody>
+                    <a:bodyPr/>
+                    <a:lstStyle/>
+                    <a:p>
+                      <a:endParaRPr lang="en-PH"/>
+                    </a:p>
+                  </a:txBody>
+                  <a:tcPr/>
+                </a:tc>
+                <a:tc hMerge="1" vMerge="1">
+                  <a:txBody>
+                    <a:bodyPr/>
+                    <a:lstStyle/>
+                    <a:p>
+                      <a:endParaRPr lang="en-PH"/>
+                    </a:p>
+                  </a:txBody>
+                  <a:tcPr/>
+                </a:tc>
+                <a:tc>
+                  <a:txBody>
+                    <a:bodyPr/>
+                    <a:lstStyle/>
+                    <a:p>
+                      <a:pPr algn="ctr" fontAlgn="ctr"/>
+                      <a:r>
+                        <a:rPr lang="en-PH" sz="1100" u="none" strike="noStrike">
+                          <a:effectLst/>
+                        </a:rPr>
+                        <a:t>S</a:t>
+                      </a:r>
+                      <a:endParaRPr lang="en-PH" sz="1100" b="0" i="0" u="none" strike="noStrike">
+                        <a:solidFill>
+                          <a:srgbClr val="000000"/>
+                        </a:solidFill>
+                        <a:effectLst/>
+                        <a:latin typeface="Calibri" panose="020F0502020204030204" pitchFamily="34" charset="0"/>
+                      </a:endParaRPr>
+                    </a:p>
+                  </a:txBody>
+                  <a:tcPr marL="9525" marR="9525" marT="9525" marB="0" anchor="ctr"/>
+                </a:tc>
+                <a:tc>
+                  <a:txBody>
+                    <a:bodyPr/>
+                    <a:lstStyle/>
+                    <a:p>
+                      <a:pPr algn="ctr" fontAlgn="ctr"/>
+                      <a:r>
+                        <a:rPr lang="en-PH" sz="1100" u="none" strike="noStrike">
+                          <a:effectLst/>
+                        </a:rPr>
+                        <a:t>M</a:t>
+                      </a:r>
+                      <a:endParaRPr lang="en-PH" sz="1100" b="0" i="0" u="none" strike="noStrike">
+                        <a:solidFill>
+                          <a:srgbClr val="000000"/>
+                        </a:solidFill>
+                        <a:effectLst/>
+                        <a:latin typeface="Calibri" panose="020F0502020204030204" pitchFamily="34" charset="0"/>
+                      </a:endParaRPr>
+                    </a:p>
+                  </a:txBody>
+                  <a:tcPr marL="9525" marR="9525" marT="9525" marB="0" anchor="ctr"/>
+                </a:tc>
+                <a:tc>
+                  <a:txBody>
+                    <a:bodyPr/>
+                    <a:lstStyle/>
+                    <a:p>
+                      <a:pPr algn="ctr" fontAlgn="ctr"/>
+                      <a:r>
+                        <a:rPr lang="en-PH" sz="1100" u="none" strike="noStrike">
+                          <a:effectLst/>
+                        </a:rPr>
+                        <a:t>L</a:t>
+                      </a:r>
+                      <a:endParaRPr lang="en-PH" sz="1100" b="0" i="0" u="none" strike="noStrike">
+                        <a:solidFill>
+                          <a:srgbClr val="000000"/>
+                        </a:solidFill>
+                        <a:effectLst/>
+                        <a:latin typeface="Calibri" panose="020F0502020204030204" pitchFamily="34" charset="0"/>
+                      </a:endParaRPr>
+                    </a:p>
+                  </a:txBody>
+                  <a:tcPr marL="9525" marR="9525" marT="9525" marB="0" anchor="ctr"/>
+                </a:tc>
+                <a:extLst>
+                  <a:ext uri="{0D108BD9-81ED-4DB2-BD59-A6C34878D82A}">
+                    <a16:rowId xmlns:a16="http://schemas.microsoft.com/office/drawing/2014/main" val="364839017"/>
+                  </a:ext>
+                </a:extLst>
+              </a:tr>
+              <a:tr h="542192">
+                <a:tc rowSpan="3">
+                  <a:txBody>
+                    <a:bodyPr/>
+                    <a:lstStyle/>
+                    <a:p>
+                      <a:pPr algn="ctr" fontAlgn="ctr"/>
+                      <a:r>
+                        <a:rPr lang="en-PH" sz="1100" u="none" strike="noStrike">
+                          <a:effectLst/>
+                        </a:rPr>
+                        <a:t>TEMPERATURE</a:t>
+                      </a:r>
+                      <a:endParaRPr lang="en-PH" sz="1100" b="0" i="0" u="none" strike="noStrike">
+                        <a:solidFill>
+                          <a:srgbClr val="000000"/>
+                        </a:solidFill>
+                        <a:effectLst/>
+                        <a:latin typeface="Calibri" panose="020F0502020204030204" pitchFamily="34" charset="0"/>
+                      </a:endParaRPr>
+                    </a:p>
+                  </a:txBody>
+                  <a:tcPr marL="9525" marR="9525" marT="9525" marB="0" anchor="ctr"/>
+                </a:tc>
+                <a:tc>
+                  <a:txBody>
+                    <a:bodyPr/>
+                    <a:lstStyle/>
+                    <a:p>
+                      <a:pPr algn="ctr" fontAlgn="ctr"/>
+                      <a:r>
+                        <a:rPr lang="en-PH" sz="1100" u="none" strike="noStrike">
+                          <a:effectLst/>
+                        </a:rPr>
+                        <a:t>Ambient</a:t>
+                      </a:r>
+                      <a:endParaRPr lang="en-PH" sz="1100" b="0" i="0" u="none" strike="noStrike">
+                        <a:solidFill>
+                          <a:srgbClr val="000000"/>
+                        </a:solidFill>
+                        <a:effectLst/>
+                        <a:latin typeface="Calibri" panose="020F0502020204030204" pitchFamily="34" charset="0"/>
+                      </a:endParaRPr>
+                    </a:p>
+                  </a:txBody>
+                  <a:tcPr marL="9525" marR="9525" marT="9525" marB="0" anchor="ctr"/>
+                </a:tc>
+                <a:tc>
+                  <a:txBody>
+                    <a:bodyPr/>
+                    <a:lstStyle/>
+                    <a:p>
+                      <a:pPr algn="ctr" fontAlgn="ctr"/>
+                      <a:r>
+                        <a:rPr lang="en-PH" sz="1100" u="none" strike="noStrike">
+                          <a:effectLst/>
+                        </a:rPr>
+                        <a:t>MED</a:t>
+                      </a:r>
+                      <a:endParaRPr lang="en-PH" sz="1100" b="0" i="0" u="none" strike="noStrike">
+                        <a:solidFill>
+                          <a:srgbClr val="000000"/>
+                        </a:solidFill>
+                        <a:effectLst/>
+                        <a:latin typeface="Calibri" panose="020F0502020204030204" pitchFamily="34" charset="0"/>
+                      </a:endParaRPr>
+                    </a:p>
+                  </a:txBody>
+                  <a:tcPr marL="9525" marR="9525" marT="9525" marB="0" anchor="ctr"/>
+                </a:tc>
+                <a:tc>
+                  <a:txBody>
+                    <a:bodyPr/>
+                    <a:lstStyle/>
+                    <a:p>
+                      <a:pPr algn="ctr" fontAlgn="ctr"/>
+                      <a:r>
+                        <a:rPr lang="en-PH" sz="1100" u="none" strike="noStrike">
+                          <a:effectLst/>
+                        </a:rPr>
+                        <a:t>HIGH</a:t>
+                      </a:r>
+                      <a:endParaRPr lang="en-PH" sz="1100" b="0" i="0" u="none" strike="noStrike">
+                        <a:solidFill>
+                          <a:srgbClr val="000000"/>
+                        </a:solidFill>
+                        <a:effectLst/>
+                        <a:latin typeface="Calibri" panose="020F0502020204030204" pitchFamily="34" charset="0"/>
+                      </a:endParaRPr>
+                    </a:p>
+                  </a:txBody>
+                  <a:tcPr marL="9525" marR="9525" marT="9525" marB="0" anchor="ctr"/>
+                </a:tc>
+                <a:tc>
+                  <a:txBody>
+                    <a:bodyPr/>
+                    <a:lstStyle/>
+                    <a:p>
+                      <a:pPr algn="ctr" fontAlgn="ctr"/>
+                      <a:r>
+                        <a:rPr lang="en-PH" sz="1100" u="none" strike="noStrike">
+                          <a:effectLst/>
+                        </a:rPr>
+                        <a:t>HIGH</a:t>
+                      </a:r>
+                      <a:endParaRPr lang="en-PH" sz="1100" b="0" i="0" u="none" strike="noStrike">
+                        <a:solidFill>
+                          <a:srgbClr val="000000"/>
+                        </a:solidFill>
+                        <a:effectLst/>
+                        <a:latin typeface="Calibri" panose="020F0502020204030204" pitchFamily="34" charset="0"/>
+                      </a:endParaRPr>
+                    </a:p>
+                  </a:txBody>
+                  <a:tcPr marL="9525" marR="9525" marT="9525" marB="0" anchor="ctr"/>
+                </a:tc>
+                <a:extLst>
+                  <a:ext uri="{0D108BD9-81ED-4DB2-BD59-A6C34878D82A}">
+                    <a16:rowId xmlns:a16="http://schemas.microsoft.com/office/drawing/2014/main" val="595538636"/>
+                  </a:ext>
+                </a:extLst>
+              </a:tr>
+              <a:tr h="542192">
+                <a:tc vMerge="1">
+                  <a:txBody>
+                    <a:bodyPr/>
+                    <a:lstStyle/>
+                    <a:p>
+                      <a:endParaRPr lang="en-PH"/>
+                    </a:p>
+                  </a:txBody>
+                  <a:tcPr/>
+                </a:tc>
+                <a:tc>
+                  <a:txBody>
+                    <a:bodyPr/>
+                    <a:lstStyle/>
+                    <a:p>
+                      <a:pPr algn="ctr" fontAlgn="ctr"/>
+                      <a:r>
+                        <a:rPr lang="en-PH" sz="1100" u="none" strike="noStrike">
+                          <a:effectLst/>
+                        </a:rPr>
+                        <a:t>Warm</a:t>
+                      </a:r>
+                      <a:endParaRPr lang="en-PH" sz="1100" b="0" i="0" u="none" strike="noStrike">
+                        <a:solidFill>
+                          <a:srgbClr val="000000"/>
+                        </a:solidFill>
+                        <a:effectLst/>
+                        <a:latin typeface="Calibri" panose="020F0502020204030204" pitchFamily="34" charset="0"/>
+                      </a:endParaRPr>
+                    </a:p>
+                  </a:txBody>
+                  <a:tcPr marL="9525" marR="9525" marT="9525" marB="0" anchor="ctr"/>
+                </a:tc>
+                <a:tc>
+                  <a:txBody>
+                    <a:bodyPr/>
+                    <a:lstStyle/>
+                    <a:p>
+                      <a:pPr algn="ctr" fontAlgn="ctr"/>
+                      <a:r>
+                        <a:rPr lang="en-PH" sz="1100" u="none" strike="noStrike">
+                          <a:effectLst/>
+                        </a:rPr>
+                        <a:t>LOW</a:t>
+                      </a:r>
+                      <a:endParaRPr lang="en-PH" sz="1100" b="0" i="0" u="none" strike="noStrike">
+                        <a:solidFill>
+                          <a:srgbClr val="000000"/>
+                        </a:solidFill>
+                        <a:effectLst/>
+                        <a:latin typeface="Calibri" panose="020F0502020204030204" pitchFamily="34" charset="0"/>
+                      </a:endParaRPr>
+                    </a:p>
+                  </a:txBody>
+                  <a:tcPr marL="9525" marR="9525" marT="9525" marB="0" anchor="ctr"/>
+                </a:tc>
+                <a:tc>
+                  <a:txBody>
+                    <a:bodyPr/>
+                    <a:lstStyle/>
+                    <a:p>
+                      <a:pPr algn="ctr" fontAlgn="ctr"/>
+                      <a:r>
+                        <a:rPr lang="en-PH" sz="1100" u="none" strike="noStrike">
+                          <a:effectLst/>
+                        </a:rPr>
+                        <a:t>MED</a:t>
+                      </a:r>
+                      <a:endParaRPr lang="en-PH" sz="1100" b="0" i="0" u="none" strike="noStrike">
+                        <a:solidFill>
+                          <a:srgbClr val="000000"/>
+                        </a:solidFill>
+                        <a:effectLst/>
+                        <a:latin typeface="Calibri" panose="020F0502020204030204" pitchFamily="34" charset="0"/>
+                      </a:endParaRPr>
+                    </a:p>
+                  </a:txBody>
+                  <a:tcPr marL="9525" marR="9525" marT="9525" marB="0" anchor="ctr"/>
+                </a:tc>
+                <a:tc>
+                  <a:txBody>
+                    <a:bodyPr/>
+                    <a:lstStyle/>
+                    <a:p>
+                      <a:pPr algn="ctr" fontAlgn="ctr"/>
+                      <a:r>
+                        <a:rPr lang="en-PH" sz="1100" u="none" strike="noStrike">
+                          <a:effectLst/>
+                        </a:rPr>
+                        <a:t>MED</a:t>
+                      </a:r>
+                      <a:endParaRPr lang="en-PH" sz="1100" b="0" i="0" u="none" strike="noStrike">
+                        <a:solidFill>
+                          <a:srgbClr val="000000"/>
+                        </a:solidFill>
+                        <a:effectLst/>
+                        <a:latin typeface="Calibri" panose="020F0502020204030204" pitchFamily="34" charset="0"/>
+                      </a:endParaRPr>
+                    </a:p>
+                  </a:txBody>
+                  <a:tcPr marL="9525" marR="9525" marT="9525" marB="0" anchor="ctr"/>
+                </a:tc>
+                <a:extLst>
+                  <a:ext uri="{0D108BD9-81ED-4DB2-BD59-A6C34878D82A}">
+                    <a16:rowId xmlns:a16="http://schemas.microsoft.com/office/drawing/2014/main" val="2920686171"/>
+                  </a:ext>
+                </a:extLst>
+              </a:tr>
+              <a:tr h="542192">
+                <a:tc vMerge="1">
+                  <a:txBody>
+                    <a:bodyPr/>
+                    <a:lstStyle/>
+                    <a:p>
+                      <a:endParaRPr lang="en-PH"/>
+                    </a:p>
+                  </a:txBody>
+                  <a:tcPr/>
+                </a:tc>
+                <a:tc>
+                  <a:txBody>
+                    <a:bodyPr/>
+                    <a:lstStyle/>
+                    <a:p>
+                      <a:pPr algn="ctr" fontAlgn="ctr"/>
+                      <a:r>
+                        <a:rPr lang="en-PH" sz="1100" u="none" strike="noStrike">
+                          <a:effectLst/>
+                        </a:rPr>
+                        <a:t>Hot</a:t>
+                      </a:r>
+                      <a:endParaRPr lang="en-PH" sz="1100" b="0" i="0" u="none" strike="noStrike">
+                        <a:solidFill>
+                          <a:srgbClr val="000000"/>
+                        </a:solidFill>
+                        <a:effectLst/>
+                        <a:latin typeface="Calibri" panose="020F0502020204030204" pitchFamily="34" charset="0"/>
+                      </a:endParaRPr>
+                    </a:p>
+                  </a:txBody>
+                  <a:tcPr marL="9525" marR="9525" marT="9525" marB="0" anchor="ctr"/>
+                </a:tc>
+                <a:tc>
+                  <a:txBody>
+                    <a:bodyPr/>
+                    <a:lstStyle/>
+                    <a:p>
+                      <a:pPr algn="ctr" fontAlgn="ctr"/>
+                      <a:r>
+                        <a:rPr lang="en-PH" sz="1100" u="none" strike="noStrike">
+                          <a:effectLst/>
+                        </a:rPr>
+                        <a:t>LOW</a:t>
+                      </a:r>
+                      <a:endParaRPr lang="en-PH" sz="1100" b="0" i="0" u="none" strike="noStrike">
+                        <a:solidFill>
+                          <a:srgbClr val="000000"/>
+                        </a:solidFill>
+                        <a:effectLst/>
+                        <a:latin typeface="Calibri" panose="020F0502020204030204" pitchFamily="34" charset="0"/>
+                      </a:endParaRPr>
+                    </a:p>
+                  </a:txBody>
+                  <a:tcPr marL="9525" marR="9525" marT="9525" marB="0" anchor="ctr"/>
+                </a:tc>
+                <a:tc>
+                  <a:txBody>
+                    <a:bodyPr/>
+                    <a:lstStyle/>
+                    <a:p>
+                      <a:pPr algn="ctr" fontAlgn="ctr"/>
+                      <a:r>
+                        <a:rPr lang="en-PH" sz="1100" u="none" strike="noStrike">
+                          <a:effectLst/>
+                        </a:rPr>
+                        <a:t>LOW</a:t>
+                      </a:r>
+                      <a:endParaRPr lang="en-PH" sz="1100" b="0" i="0" u="none" strike="noStrike">
+                        <a:solidFill>
+                          <a:srgbClr val="000000"/>
+                        </a:solidFill>
+                        <a:effectLst/>
+                        <a:latin typeface="Calibri" panose="020F0502020204030204" pitchFamily="34" charset="0"/>
+                      </a:endParaRPr>
+                    </a:p>
+                  </a:txBody>
+                  <a:tcPr marL="9525" marR="9525" marT="9525" marB="0" anchor="ctr"/>
+                </a:tc>
+                <a:tc>
+                  <a:txBody>
+                    <a:bodyPr/>
+                    <a:lstStyle/>
+                    <a:p>
+                      <a:pPr algn="ctr" fontAlgn="ctr"/>
+                      <a:r>
+                        <a:rPr lang="en-PH" sz="1100" u="none" strike="noStrike" dirty="0">
+                          <a:effectLst/>
+                        </a:rPr>
+                        <a:t>LOW</a:t>
+                      </a:r>
+                      <a:endParaRPr lang="en-PH" sz="1100" b="0" i="0" u="none" strike="noStrike" dirty="0">
+                        <a:solidFill>
+                          <a:srgbClr val="000000"/>
+                        </a:solidFill>
+                        <a:effectLst/>
+                        <a:latin typeface="Calibri" panose="020F0502020204030204" pitchFamily="34" charset="0"/>
+                      </a:endParaRPr>
+                    </a:p>
+                  </a:txBody>
+                  <a:tcPr marL="9525" marR="9525" marT="9525" marB="0" anchor="ctr"/>
+                </a:tc>
+                <a:extLst>
+                  <a:ext uri="{0D108BD9-81ED-4DB2-BD59-A6C34878D82A}">
+                    <a16:rowId xmlns:a16="http://schemas.microsoft.com/office/drawing/2014/main" val="4274530563"/>
+                  </a:ext>
+                </a:extLst>
+              </a:tr>
+            </a:tbl>
+          </a:graphicData>
+        </a:graphic>
+      </p:graphicFrame>
+      <p:graphicFrame>
+        <p:nvGraphicFramePr>
+          <p:cNvPr id="11" name="Table 10">
+            <a:extLst>
+              <a:ext uri="{FF2B5EF4-FFF2-40B4-BE49-F238E27FC236}">
+                <a16:creationId xmlns:a16="http://schemas.microsoft.com/office/drawing/2014/main" id="{7D4A3C42-06B2-4889-A732-9EFD1FF0BF85}"/>
+              </a:ext>
+            </a:extLst>
+          </p:cNvPr>
+          <p:cNvGraphicFramePr>
+            <a:graphicFrameLocks noGrp="1"/>
+          </p:cNvGraphicFramePr>
+          <p:nvPr>
+            <p:extLst>
+              <p:ext uri="{D42A27DB-BD31-4B8C-83A1-F6EECF244321}">
+                <p14:modId xmlns:p14="http://schemas.microsoft.com/office/powerpoint/2010/main" val="3882874173"/>
+              </p:ext>
+            </p:extLst>
+          </p:nvPr>
+        </p:nvGraphicFramePr>
+        <p:xfrm>
+          <a:off x="6096001" y="4291122"/>
+          <a:ext cx="5257801" cy="2201755"/>
+        </p:xfrm>
+        <a:graphic>
+          <a:graphicData uri="http://schemas.openxmlformats.org/drawingml/2006/table">
+            <a:tbl>
+              <a:tblPr>
+                <a:tableStyleId>{5C22544A-7EE6-4342-B048-85BDC9FD1C3A}</a:tableStyleId>
+              </a:tblPr>
+              <a:tblGrid>
+                <a:gridCol w="1416308">
+                  <a:extLst>
+                    <a:ext uri="{9D8B030D-6E8A-4147-A177-3AD203B41FA5}">
+                      <a16:colId xmlns:a16="http://schemas.microsoft.com/office/drawing/2014/main" val="3587222875"/>
+                    </a:ext>
+                  </a:extLst>
+                </a:gridCol>
+                <a:gridCol w="1047680">
+                  <a:extLst>
+                    <a:ext uri="{9D8B030D-6E8A-4147-A177-3AD203B41FA5}">
+                      <a16:colId xmlns:a16="http://schemas.microsoft.com/office/drawing/2014/main" val="3031996358"/>
+                    </a:ext>
+                  </a:extLst>
+                </a:gridCol>
+                <a:gridCol w="931271">
+                  <a:extLst>
+                    <a:ext uri="{9D8B030D-6E8A-4147-A177-3AD203B41FA5}">
+                      <a16:colId xmlns:a16="http://schemas.microsoft.com/office/drawing/2014/main" val="2497985943"/>
+                    </a:ext>
+                  </a:extLst>
+                </a:gridCol>
+                <a:gridCol w="931271">
+                  <a:extLst>
+                    <a:ext uri="{9D8B030D-6E8A-4147-A177-3AD203B41FA5}">
+                      <a16:colId xmlns:a16="http://schemas.microsoft.com/office/drawing/2014/main" val="517015162"/>
+                    </a:ext>
+                  </a:extLst>
+                </a:gridCol>
+                <a:gridCol w="931271">
+                  <a:extLst>
+                    <a:ext uri="{9D8B030D-6E8A-4147-A177-3AD203B41FA5}">
+                      <a16:colId xmlns:a16="http://schemas.microsoft.com/office/drawing/2014/main" val="3454811252"/>
+                    </a:ext>
+                  </a:extLst>
+                </a:gridCol>
+              </a:tblGrid>
+              <a:tr h="440351">
+                <a:tc rowSpan="2" gridSpan="2">
+                  <a:txBody>
+                    <a:bodyPr/>
+                    <a:lstStyle/>
+                    <a:p>
+                      <a:pPr algn="ctr" fontAlgn="ctr"/>
+                      <a:r>
+                        <a:rPr lang="en-PH" sz="1100" u="none" strike="noStrike" dirty="0">
+                          <a:effectLst/>
+                        </a:rPr>
+                        <a:t>COOL RULE</a:t>
+                      </a:r>
+                      <a:endParaRPr lang="en-PH" sz="1100" b="0" i="0" u="none" strike="noStrike" dirty="0">
+                        <a:solidFill>
+                          <a:srgbClr val="000000"/>
+                        </a:solidFill>
+                        <a:effectLst/>
+                        <a:latin typeface="Calibri" panose="020F0502020204030204" pitchFamily="34" charset="0"/>
+                      </a:endParaRPr>
+                    </a:p>
+                  </a:txBody>
+                  <a:tcPr marL="9525" marR="9525" marT="9525" marB="0" anchor="ctr"/>
+                </a:tc>
+                <a:tc rowSpan="2" hMerge="1">
+                  <a:txBody>
+                    <a:bodyPr/>
+                    <a:lstStyle/>
+                    <a:p>
+                      <a:endParaRPr lang="en-PH"/>
+                    </a:p>
+                  </a:txBody>
+                  <a:tcPr/>
+                </a:tc>
+                <a:tc gridSpan="3">
+                  <a:txBody>
+                    <a:bodyPr/>
+                    <a:lstStyle/>
+                    <a:p>
+                      <a:pPr algn="ctr" fontAlgn="ctr"/>
+                      <a:r>
+                        <a:rPr lang="en-PH" sz="1100" u="none" strike="noStrike">
+                          <a:effectLst/>
+                        </a:rPr>
+                        <a:t>TANK LEVEL</a:t>
+                      </a:r>
+                      <a:endParaRPr lang="en-PH" sz="1100" b="0" i="0" u="none" strike="noStrike">
+                        <a:solidFill>
+                          <a:srgbClr val="000000"/>
+                        </a:solidFill>
+                        <a:effectLst/>
+                        <a:latin typeface="Calibri" panose="020F0502020204030204" pitchFamily="34" charset="0"/>
+                      </a:endParaRPr>
+                    </a:p>
+                  </a:txBody>
+                  <a:tcPr marL="9525" marR="9525" marT="9525" marB="0" anchor="ctr"/>
+                </a:tc>
+                <a:tc hMerge="1">
+                  <a:txBody>
+                    <a:bodyPr/>
+                    <a:lstStyle/>
+                    <a:p>
+                      <a:endParaRPr lang="en-PH"/>
+                    </a:p>
+                  </a:txBody>
+                  <a:tcPr/>
+                </a:tc>
+                <a:tc hMerge="1">
+                  <a:txBody>
+                    <a:bodyPr/>
+                    <a:lstStyle/>
+                    <a:p>
+                      <a:endParaRPr lang="en-PH"/>
+                    </a:p>
+                  </a:txBody>
+                  <a:tcPr/>
+                </a:tc>
+                <a:extLst>
+                  <a:ext uri="{0D108BD9-81ED-4DB2-BD59-A6C34878D82A}">
+                    <a16:rowId xmlns:a16="http://schemas.microsoft.com/office/drawing/2014/main" val="3648128506"/>
+                  </a:ext>
+                </a:extLst>
+              </a:tr>
+              <a:tr h="440351">
+                <a:tc gridSpan="2" vMerge="1">
+                  <a:txBody>
+                    <a:bodyPr/>
+                    <a:lstStyle/>
+                    <a:p>
+                      <a:endParaRPr lang="en-PH"/>
+                    </a:p>
+                  </a:txBody>
+                  <a:tcPr/>
+                </a:tc>
+                <a:tc hMerge="1" vMerge="1">
+                  <a:txBody>
+                    <a:bodyPr/>
+                    <a:lstStyle/>
+                    <a:p>
+                      <a:endParaRPr lang="en-PH"/>
+                    </a:p>
+                  </a:txBody>
+                  <a:tcPr/>
+                </a:tc>
+                <a:tc>
+                  <a:txBody>
+                    <a:bodyPr/>
+                    <a:lstStyle/>
+                    <a:p>
+                      <a:pPr algn="ctr" fontAlgn="ctr"/>
+                      <a:r>
+                        <a:rPr lang="en-PH" sz="1100" u="none" strike="noStrike">
+                          <a:effectLst/>
+                        </a:rPr>
+                        <a:t>S</a:t>
+                      </a:r>
+                      <a:endParaRPr lang="en-PH" sz="1100" b="0" i="0" u="none" strike="noStrike">
+                        <a:solidFill>
+                          <a:srgbClr val="000000"/>
+                        </a:solidFill>
+                        <a:effectLst/>
+                        <a:latin typeface="Calibri" panose="020F0502020204030204" pitchFamily="34" charset="0"/>
+                      </a:endParaRPr>
+                    </a:p>
+                  </a:txBody>
+                  <a:tcPr marL="9525" marR="9525" marT="9525" marB="0" anchor="ctr"/>
+                </a:tc>
+                <a:tc>
+                  <a:txBody>
+                    <a:bodyPr/>
+                    <a:lstStyle/>
+                    <a:p>
+                      <a:pPr algn="ctr" fontAlgn="ctr"/>
+                      <a:r>
+                        <a:rPr lang="en-PH" sz="1100" u="none" strike="noStrike">
+                          <a:effectLst/>
+                        </a:rPr>
+                        <a:t>M</a:t>
+                      </a:r>
+                      <a:endParaRPr lang="en-PH" sz="1100" b="0" i="0" u="none" strike="noStrike">
+                        <a:solidFill>
+                          <a:srgbClr val="000000"/>
+                        </a:solidFill>
+                        <a:effectLst/>
+                        <a:latin typeface="Calibri" panose="020F0502020204030204" pitchFamily="34" charset="0"/>
+                      </a:endParaRPr>
+                    </a:p>
+                  </a:txBody>
+                  <a:tcPr marL="9525" marR="9525" marT="9525" marB="0" anchor="ctr"/>
+                </a:tc>
+                <a:tc>
+                  <a:txBody>
+                    <a:bodyPr/>
+                    <a:lstStyle/>
+                    <a:p>
+                      <a:pPr algn="ctr" fontAlgn="ctr"/>
+                      <a:r>
+                        <a:rPr lang="en-PH" sz="1100" u="none" strike="noStrike">
+                          <a:effectLst/>
+                        </a:rPr>
+                        <a:t>L</a:t>
+                      </a:r>
+                      <a:endParaRPr lang="en-PH" sz="1100" b="0" i="0" u="none" strike="noStrike">
+                        <a:solidFill>
+                          <a:srgbClr val="000000"/>
+                        </a:solidFill>
+                        <a:effectLst/>
+                        <a:latin typeface="Calibri" panose="020F0502020204030204" pitchFamily="34" charset="0"/>
+                      </a:endParaRPr>
+                    </a:p>
+                  </a:txBody>
+                  <a:tcPr marL="9525" marR="9525" marT="9525" marB="0" anchor="ctr"/>
+                </a:tc>
+                <a:extLst>
+                  <a:ext uri="{0D108BD9-81ED-4DB2-BD59-A6C34878D82A}">
+                    <a16:rowId xmlns:a16="http://schemas.microsoft.com/office/drawing/2014/main" val="263416926"/>
+                  </a:ext>
+                </a:extLst>
+              </a:tr>
+              <a:tr h="440351">
+                <a:tc rowSpan="3">
+                  <a:txBody>
+                    <a:bodyPr/>
+                    <a:lstStyle/>
+                    <a:p>
+                      <a:pPr algn="ctr" fontAlgn="ctr"/>
+                      <a:r>
+                        <a:rPr lang="en-PH" sz="1100" u="none" strike="noStrike">
+                          <a:effectLst/>
+                        </a:rPr>
+                        <a:t>TEMPERATURE</a:t>
+                      </a:r>
+                      <a:endParaRPr lang="en-PH" sz="1100" b="0" i="0" u="none" strike="noStrike">
+                        <a:solidFill>
+                          <a:srgbClr val="000000"/>
+                        </a:solidFill>
+                        <a:effectLst/>
+                        <a:latin typeface="Calibri" panose="020F0502020204030204" pitchFamily="34" charset="0"/>
+                      </a:endParaRPr>
+                    </a:p>
+                  </a:txBody>
+                  <a:tcPr marL="9525" marR="9525" marT="9525" marB="0" anchor="ctr"/>
+                </a:tc>
+                <a:tc>
+                  <a:txBody>
+                    <a:bodyPr/>
+                    <a:lstStyle/>
+                    <a:p>
+                      <a:pPr algn="ctr" fontAlgn="ctr"/>
+                      <a:r>
+                        <a:rPr lang="en-PH" sz="1100" u="none" strike="noStrike">
+                          <a:effectLst/>
+                        </a:rPr>
+                        <a:t>Cold</a:t>
+                      </a:r>
+                      <a:endParaRPr lang="en-PH" sz="1100" b="0" i="0" u="none" strike="noStrike">
+                        <a:solidFill>
+                          <a:srgbClr val="000000"/>
+                        </a:solidFill>
+                        <a:effectLst/>
+                        <a:latin typeface="Calibri" panose="020F0502020204030204" pitchFamily="34" charset="0"/>
+                      </a:endParaRPr>
+                    </a:p>
+                  </a:txBody>
+                  <a:tcPr marL="9525" marR="9525" marT="9525" marB="0" anchor="ctr"/>
+                </a:tc>
+                <a:tc>
+                  <a:txBody>
+                    <a:bodyPr/>
+                    <a:lstStyle/>
+                    <a:p>
+                      <a:pPr algn="ctr" fontAlgn="ctr"/>
+                      <a:r>
+                        <a:rPr lang="en-PH" sz="1100" u="none" strike="noStrike">
+                          <a:effectLst/>
+                        </a:rPr>
+                        <a:t>LOW</a:t>
+                      </a:r>
+                      <a:endParaRPr lang="en-PH" sz="1100" b="0" i="0" u="none" strike="noStrike">
+                        <a:solidFill>
+                          <a:srgbClr val="000000"/>
+                        </a:solidFill>
+                        <a:effectLst/>
+                        <a:latin typeface="Calibri" panose="020F0502020204030204" pitchFamily="34" charset="0"/>
+                      </a:endParaRPr>
+                    </a:p>
+                  </a:txBody>
+                  <a:tcPr marL="9525" marR="9525" marT="9525" marB="0" anchor="ctr"/>
+                </a:tc>
+                <a:tc>
+                  <a:txBody>
+                    <a:bodyPr/>
+                    <a:lstStyle/>
+                    <a:p>
+                      <a:pPr algn="ctr" fontAlgn="ctr"/>
+                      <a:r>
+                        <a:rPr lang="en-PH" sz="1100" u="none" strike="noStrike">
+                          <a:effectLst/>
+                        </a:rPr>
+                        <a:t>MED</a:t>
+                      </a:r>
+                      <a:endParaRPr lang="en-PH" sz="1100" b="0" i="0" u="none" strike="noStrike">
+                        <a:solidFill>
+                          <a:srgbClr val="000000"/>
+                        </a:solidFill>
+                        <a:effectLst/>
+                        <a:latin typeface="Calibri" panose="020F0502020204030204" pitchFamily="34" charset="0"/>
+                      </a:endParaRPr>
+                    </a:p>
+                  </a:txBody>
+                  <a:tcPr marL="9525" marR="9525" marT="9525" marB="0" anchor="ctr"/>
+                </a:tc>
+                <a:tc>
+                  <a:txBody>
+                    <a:bodyPr/>
+                    <a:lstStyle/>
+                    <a:p>
+                      <a:pPr algn="ctr" fontAlgn="ctr"/>
+                      <a:r>
+                        <a:rPr lang="en-PH" sz="1100" u="none" strike="noStrike">
+                          <a:effectLst/>
+                        </a:rPr>
+                        <a:t>MED</a:t>
+                      </a:r>
+                      <a:endParaRPr lang="en-PH" sz="1100" b="0" i="0" u="none" strike="noStrike">
+                        <a:solidFill>
+                          <a:srgbClr val="000000"/>
+                        </a:solidFill>
+                        <a:effectLst/>
+                        <a:latin typeface="Calibri" panose="020F0502020204030204" pitchFamily="34" charset="0"/>
+                      </a:endParaRPr>
+                    </a:p>
+                  </a:txBody>
+                  <a:tcPr marL="9525" marR="9525" marT="9525" marB="0" anchor="ctr"/>
+                </a:tc>
+                <a:extLst>
+                  <a:ext uri="{0D108BD9-81ED-4DB2-BD59-A6C34878D82A}">
+                    <a16:rowId xmlns:a16="http://schemas.microsoft.com/office/drawing/2014/main" val="3327844283"/>
+                  </a:ext>
+                </a:extLst>
+              </a:tr>
+              <a:tr h="440351">
+                <a:tc vMerge="1">
+                  <a:txBody>
+                    <a:bodyPr/>
+                    <a:lstStyle/>
+                    <a:p>
+                      <a:endParaRPr lang="en-PH"/>
+                    </a:p>
+                  </a:txBody>
+                  <a:tcPr/>
+                </a:tc>
+                <a:tc>
+                  <a:txBody>
+                    <a:bodyPr/>
+                    <a:lstStyle/>
+                    <a:p>
+                      <a:pPr algn="ctr" fontAlgn="ctr"/>
+                      <a:r>
+                        <a:rPr lang="en-PH" sz="1100" u="none" strike="noStrike">
+                          <a:effectLst/>
+                        </a:rPr>
+                        <a:t>Warm</a:t>
+                      </a:r>
+                      <a:endParaRPr lang="en-PH" sz="1100" b="0" i="0" u="none" strike="noStrike">
+                        <a:solidFill>
+                          <a:srgbClr val="000000"/>
+                        </a:solidFill>
+                        <a:effectLst/>
+                        <a:latin typeface="Calibri" panose="020F0502020204030204" pitchFamily="34" charset="0"/>
+                      </a:endParaRPr>
+                    </a:p>
+                  </a:txBody>
+                  <a:tcPr marL="9525" marR="9525" marT="9525" marB="0" anchor="ctr"/>
+                </a:tc>
+                <a:tc>
+                  <a:txBody>
+                    <a:bodyPr/>
+                    <a:lstStyle/>
+                    <a:p>
+                      <a:pPr algn="ctr" fontAlgn="ctr"/>
+                      <a:r>
+                        <a:rPr lang="en-PH" sz="1100" u="none" strike="noStrike">
+                          <a:effectLst/>
+                        </a:rPr>
+                        <a:t>MED</a:t>
+                      </a:r>
+                      <a:endParaRPr lang="en-PH" sz="1100" b="0" i="0" u="none" strike="noStrike">
+                        <a:solidFill>
+                          <a:srgbClr val="000000"/>
+                        </a:solidFill>
+                        <a:effectLst/>
+                        <a:latin typeface="Calibri" panose="020F0502020204030204" pitchFamily="34" charset="0"/>
+                      </a:endParaRPr>
+                    </a:p>
+                  </a:txBody>
+                  <a:tcPr marL="9525" marR="9525" marT="9525" marB="0" anchor="ctr"/>
+                </a:tc>
+                <a:tc>
+                  <a:txBody>
+                    <a:bodyPr/>
+                    <a:lstStyle/>
+                    <a:p>
+                      <a:pPr algn="ctr" fontAlgn="ctr"/>
+                      <a:r>
+                        <a:rPr lang="en-PH" sz="1100" u="none" strike="noStrike">
+                          <a:effectLst/>
+                        </a:rPr>
+                        <a:t>HIGH</a:t>
+                      </a:r>
+                      <a:endParaRPr lang="en-PH" sz="1100" b="0" i="0" u="none" strike="noStrike">
+                        <a:solidFill>
+                          <a:srgbClr val="000000"/>
+                        </a:solidFill>
+                        <a:effectLst/>
+                        <a:latin typeface="Calibri" panose="020F0502020204030204" pitchFamily="34" charset="0"/>
+                      </a:endParaRPr>
+                    </a:p>
+                  </a:txBody>
+                  <a:tcPr marL="9525" marR="9525" marT="9525" marB="0" anchor="ctr"/>
+                </a:tc>
+                <a:tc>
+                  <a:txBody>
+                    <a:bodyPr/>
+                    <a:lstStyle/>
+                    <a:p>
+                      <a:pPr algn="ctr" fontAlgn="ctr"/>
+                      <a:r>
+                        <a:rPr lang="en-PH" sz="1100" u="none" strike="noStrike">
+                          <a:effectLst/>
+                        </a:rPr>
+                        <a:t>HIGH</a:t>
+                      </a:r>
+                      <a:endParaRPr lang="en-PH" sz="1100" b="0" i="0" u="none" strike="noStrike">
+                        <a:solidFill>
+                          <a:srgbClr val="000000"/>
+                        </a:solidFill>
+                        <a:effectLst/>
+                        <a:latin typeface="Calibri" panose="020F0502020204030204" pitchFamily="34" charset="0"/>
+                      </a:endParaRPr>
+                    </a:p>
+                  </a:txBody>
+                  <a:tcPr marL="9525" marR="9525" marT="9525" marB="0" anchor="ctr"/>
+                </a:tc>
+                <a:extLst>
+                  <a:ext uri="{0D108BD9-81ED-4DB2-BD59-A6C34878D82A}">
+                    <a16:rowId xmlns:a16="http://schemas.microsoft.com/office/drawing/2014/main" val="1993257000"/>
+                  </a:ext>
+                </a:extLst>
+              </a:tr>
+              <a:tr h="440351">
+                <a:tc vMerge="1">
+                  <a:txBody>
+                    <a:bodyPr/>
+                    <a:lstStyle/>
+                    <a:p>
+                      <a:endParaRPr lang="en-PH"/>
+                    </a:p>
+                  </a:txBody>
+                  <a:tcPr/>
+                </a:tc>
+                <a:tc>
+                  <a:txBody>
+                    <a:bodyPr/>
+                    <a:lstStyle/>
+                    <a:p>
+                      <a:pPr algn="ctr" fontAlgn="ctr"/>
+                      <a:r>
+                        <a:rPr lang="en-PH" sz="1100" u="none" strike="noStrike">
+                          <a:effectLst/>
+                        </a:rPr>
+                        <a:t>Ambient</a:t>
+                      </a:r>
+                      <a:endParaRPr lang="en-PH" sz="1100" b="0" i="0" u="none" strike="noStrike">
+                        <a:solidFill>
+                          <a:srgbClr val="000000"/>
+                        </a:solidFill>
+                        <a:effectLst/>
+                        <a:latin typeface="Calibri" panose="020F0502020204030204" pitchFamily="34" charset="0"/>
+                      </a:endParaRPr>
+                    </a:p>
+                  </a:txBody>
+                  <a:tcPr marL="9525" marR="9525" marT="9525" marB="0" anchor="ctr"/>
+                </a:tc>
+                <a:tc>
+                  <a:txBody>
+                    <a:bodyPr/>
+                    <a:lstStyle/>
+                    <a:p>
+                      <a:pPr algn="ctr" fontAlgn="ctr"/>
+                      <a:r>
+                        <a:rPr lang="en-PH" sz="1100" u="none" strike="noStrike">
+                          <a:effectLst/>
+                        </a:rPr>
+                        <a:t>HIGH</a:t>
+                      </a:r>
+                      <a:endParaRPr lang="en-PH" sz="1100" b="0" i="0" u="none" strike="noStrike">
+                        <a:solidFill>
+                          <a:srgbClr val="000000"/>
+                        </a:solidFill>
+                        <a:effectLst/>
+                        <a:latin typeface="Calibri" panose="020F0502020204030204" pitchFamily="34" charset="0"/>
+                      </a:endParaRPr>
+                    </a:p>
+                  </a:txBody>
+                  <a:tcPr marL="9525" marR="9525" marT="9525" marB="0" anchor="ctr"/>
+                </a:tc>
+                <a:tc>
+                  <a:txBody>
+                    <a:bodyPr/>
+                    <a:lstStyle/>
+                    <a:p>
+                      <a:pPr algn="ctr" fontAlgn="ctr"/>
+                      <a:r>
+                        <a:rPr lang="en-PH" sz="1100" u="none" strike="noStrike">
+                          <a:effectLst/>
+                        </a:rPr>
+                        <a:t>HIGH</a:t>
+                      </a:r>
+                      <a:endParaRPr lang="en-PH" sz="1100" b="0" i="0" u="none" strike="noStrike">
+                        <a:solidFill>
+                          <a:srgbClr val="000000"/>
+                        </a:solidFill>
+                        <a:effectLst/>
+                        <a:latin typeface="Calibri" panose="020F0502020204030204" pitchFamily="34" charset="0"/>
+                      </a:endParaRPr>
+                    </a:p>
+                  </a:txBody>
+                  <a:tcPr marL="9525" marR="9525" marT="9525" marB="0" anchor="ctr"/>
+                </a:tc>
+                <a:tc>
+                  <a:txBody>
+                    <a:bodyPr/>
+                    <a:lstStyle/>
+                    <a:p>
+                      <a:pPr algn="ctr" fontAlgn="ctr"/>
+                      <a:r>
+                        <a:rPr lang="en-PH" sz="1100" u="none" strike="noStrike" dirty="0">
+                          <a:effectLst/>
+                        </a:rPr>
+                        <a:t>HIGH</a:t>
+                      </a:r>
+                      <a:endParaRPr lang="en-PH" sz="1100" b="0" i="0" u="none" strike="noStrike" dirty="0">
+                        <a:solidFill>
+                          <a:srgbClr val="000000"/>
+                        </a:solidFill>
+                        <a:effectLst/>
+                        <a:latin typeface="Calibri" panose="020F0502020204030204" pitchFamily="34" charset="0"/>
+                      </a:endParaRPr>
+                    </a:p>
+                  </a:txBody>
+                  <a:tcPr marL="9525" marR="9525" marT="9525" marB="0" anchor="ctr"/>
+                </a:tc>
+                <a:extLst>
+                  <a:ext uri="{0D108BD9-81ED-4DB2-BD59-A6C34878D82A}">
+                    <a16:rowId xmlns:a16="http://schemas.microsoft.com/office/drawing/2014/main" val="4223665401"/>
+                  </a:ext>
+                </a:extLst>
+              </a:tr>
+            </a:tbl>
+          </a:graphicData>
+        </a:graphic>
+      </p:graphicFrame>
+    </p:spTree>
+    <p:extLst>
+      <p:ext uri="{BB962C8B-B14F-4D97-AF65-F5344CB8AC3E}">
+        <p14:creationId xmlns:p14="http://schemas.microsoft.com/office/powerpoint/2010/main" val="2264893991"/>
+      </p:ext>
+    </p:extLst>
+  </p:cSld>
+  <p:clrMapOvr>
+    <a:masterClrMapping/>
+  </p:clrMapOvr>
+</p:sld>
+</file>
+
+<file path=ppt/slides/slide6.xml><?xml version="1.0" encoding="utf-8"?>
+<p:sld xmlns:a="http://schemas.openxmlformats.org/drawingml/2006/main" xmlns:r="http://schemas.openxmlformats.org/officeDocument/2006/relationships" xmlns:p="http://schemas.openxmlformats.org/presentationml/2006/main">
+  <p:cSld>
+    <p:spTree>
+      <p:nvGrpSpPr>
+        <p:cNvPr id="1" name=""/>
+        <p:cNvGrpSpPr/>
+        <p:nvPr/>
+      </p:nvGrpSpPr>
+      <p:grpSpPr>
+        <a:xfrm>
+          <a:off x="0" y="0"/>
+          <a:ext cx="0" cy="0"/>
+          <a:chOff x="0" y="0"/>
+          <a:chExt cx="0" cy="0"/>
+        </a:xfrm>
+      </p:grpSpPr>
       <p:pic>
         <p:nvPicPr>
           <p:cNvPr id="5" name="Picture 4">
@@ -3748,7 +4994,7 @@
 </p:sld>
 </file>
 
-<file path=ppt/slides/slide6.xml><?xml version="1.0" encoding="utf-8"?>
+<file path=ppt/slides/slide7.xml><?xml version="1.0" encoding="utf-8"?>
 <p:sld xmlns:a="http://schemas.openxmlformats.org/drawingml/2006/main" xmlns:r="http://schemas.openxmlformats.org/officeDocument/2006/relationships" xmlns:p="http://schemas.openxmlformats.org/presentationml/2006/main">
   <p:cSld>
     <p:spTree>
